--- a/Laravel/materi4/Instalasi Laravel.pptx
+++ b/Laravel/materi4/Instalasi Laravel.pptx
@@ -5,7 +5,7 @@
     <p:sldMasterId id="2147483648" r:id="rId1"/>
   </p:sldMasterIdLst>
   <p:notesMasterIdLst>
-    <p:notesMasterId r:id="rId12"/>
+    <p:notesMasterId r:id="rId13"/>
   </p:notesMasterIdLst>
   <p:sldIdLst>
     <p:sldId id="256" r:id="rId4"/>
@@ -16,6 +16,7 @@
     <p:sldId id="261" r:id="rId9"/>
     <p:sldId id="262" r:id="rId10"/>
     <p:sldId id="263" r:id="rId11"/>
+    <p:sldId id="264" r:id="rId12"/>
   </p:sldIdLst>
   <p:sldSz cx="12192000" cy="6858000"/>
   <p:notesSz cx="6858000" cy="9144000"/>
@@ -682,7 +683,7 @@
       </p:grpSpPr>
       <p:sp>
         <p:nvSpPr>
-          <p:cNvPr id="2123782479" name="Slide Image Placeholder 1"/>
+          <p:cNvPr id="1502501736" name="Slide Image Placeholder 1"/>
           <p:cNvSpPr>
             <a:spLocks noChangeAspect="1" noGrp="1" noRot="1"/>
           </p:cNvSpPr>
@@ -694,7 +695,7 @@
       </p:sp>
       <p:sp>
         <p:nvSpPr>
-          <p:cNvPr id="2047394042" name="Notes Placeholder 2"/>
+          <p:cNvPr id="1018000780" name="Notes Placeholder 2"/>
           <p:cNvSpPr>
             <a:spLocks noGrp="1"/>
           </p:cNvSpPr>
@@ -716,7 +717,7 @@
       </p:sp>
       <p:sp>
         <p:nvSpPr>
-          <p:cNvPr id="1317576931" name="Slide Number Placeholder 3"/>
+          <p:cNvPr id="677087325" name="Slide Number Placeholder 3"/>
           <p:cNvSpPr>
             <a:spLocks noGrp="1"/>
           </p:cNvSpPr>
@@ -732,7 +733,7 @@
             <a:pPr>
               <a:defRPr/>
             </a:pPr>
-            <a:fld id="{8D31B620-B118-49EF-E691-F12EDC4B3456}" type="slidenum">
+            <a:fld id="{306C0008-1BBC-9FBC-5183-0BF6ABE01D00}" type="slidenum">
               <a:rPr/>
               <a:t/>
             </a:fld>
@@ -764,7 +765,7 @@
       </p:grpSpPr>
       <p:sp>
         <p:nvSpPr>
-          <p:cNvPr id="742769522" name="Slide Image Placeholder 1"/>
+          <p:cNvPr id="228453971" name="Slide Image Placeholder 1"/>
           <p:cNvSpPr>
             <a:spLocks noChangeAspect="1" noGrp="1" noRot="1"/>
           </p:cNvSpPr>
@@ -776,7 +777,7 @@
       </p:sp>
       <p:sp>
         <p:nvSpPr>
-          <p:cNvPr id="1131962748" name="Notes Placeholder 2"/>
+          <p:cNvPr id="1237471895" name="Notes Placeholder 2"/>
           <p:cNvSpPr>
             <a:spLocks noGrp="1"/>
           </p:cNvSpPr>
@@ -798,7 +799,7 @@
       </p:sp>
       <p:sp>
         <p:nvSpPr>
-          <p:cNvPr id="114965964" name="Slide Number Placeholder 3"/>
+          <p:cNvPr id="630332504" name="Slide Number Placeholder 3"/>
           <p:cNvSpPr>
             <a:spLocks noGrp="1"/>
           </p:cNvSpPr>
@@ -814,7 +815,7 @@
             <a:pPr>
               <a:defRPr/>
             </a:pPr>
-            <a:fld id="{E07F8346-8AB2-D6F0-CC69-DC6CF76FD891}" type="slidenum">
+            <a:fld id="{6B6A3085-E566-FC79-7EC7-CEAB9736344B}" type="slidenum">
               <a:rPr/>
               <a:t/>
             </a:fld>
@@ -846,7 +847,7 @@
       </p:grpSpPr>
       <p:sp>
         <p:nvSpPr>
-          <p:cNvPr id="228453971" name="Slide Image Placeholder 1"/>
+          <p:cNvPr id="2123782479" name="Slide Image Placeholder 1"/>
           <p:cNvSpPr>
             <a:spLocks noChangeAspect="1" noGrp="1" noRot="1"/>
           </p:cNvSpPr>
@@ -858,7 +859,7 @@
       </p:sp>
       <p:sp>
         <p:nvSpPr>
-          <p:cNvPr id="1237471895" name="Notes Placeholder 2"/>
+          <p:cNvPr id="2047394042" name="Notes Placeholder 2"/>
           <p:cNvSpPr>
             <a:spLocks noGrp="1"/>
           </p:cNvSpPr>
@@ -880,7 +881,7 @@
       </p:sp>
       <p:sp>
         <p:nvSpPr>
-          <p:cNvPr id="630332504" name="Slide Number Placeholder 3"/>
+          <p:cNvPr id="1317576931" name="Slide Number Placeholder 3"/>
           <p:cNvSpPr>
             <a:spLocks noGrp="1"/>
           </p:cNvSpPr>
@@ -896,7 +897,7 @@
             <a:pPr>
               <a:defRPr/>
             </a:pPr>
-            <a:fld id="{6B6A3085-E566-FC79-7EC7-CEAB9736344B}" type="slidenum">
+            <a:fld id="{8D31B620-B118-49EF-E691-F12EDC4B3456}" type="slidenum">
               <a:rPr/>
               <a:t/>
             </a:fld>
@@ -928,7 +929,7 @@
       </p:grpSpPr>
       <p:sp>
         <p:nvSpPr>
-          <p:cNvPr id="1785024185" name="Slide Image Placeholder 1"/>
+          <p:cNvPr id="742769522" name="Slide Image Placeholder 1"/>
           <p:cNvSpPr>
             <a:spLocks noChangeAspect="1" noGrp="1" noRot="1"/>
           </p:cNvSpPr>
@@ -940,7 +941,7 @@
       </p:sp>
       <p:sp>
         <p:nvSpPr>
-          <p:cNvPr id="1004527679" name="Notes Placeholder 2"/>
+          <p:cNvPr id="1131962748" name="Notes Placeholder 2"/>
           <p:cNvSpPr>
             <a:spLocks noGrp="1"/>
           </p:cNvSpPr>
@@ -962,7 +963,7 @@
       </p:sp>
       <p:sp>
         <p:nvSpPr>
-          <p:cNvPr id="782364134" name="Slide Number Placeholder 3"/>
+          <p:cNvPr id="114965964" name="Slide Number Placeholder 3"/>
           <p:cNvSpPr>
             <a:spLocks noGrp="1"/>
           </p:cNvSpPr>
@@ -978,7 +979,7 @@
             <a:pPr>
               <a:defRPr/>
             </a:pPr>
-            <a:fld id="{64AF451F-D208-00BF-BD6A-3DBA734F527B}" type="slidenum">
+            <a:fld id="{E07F8346-8AB2-D6F0-CC69-DC6CF76FD891}" type="slidenum">
               <a:rPr/>
               <a:t/>
             </a:fld>
@@ -1010,7 +1011,7 @@
       </p:grpSpPr>
       <p:sp>
         <p:nvSpPr>
-          <p:cNvPr id="509861835" name="Slide Image Placeholder 1"/>
+          <p:cNvPr id="1785024185" name="Slide Image Placeholder 1"/>
           <p:cNvSpPr>
             <a:spLocks noChangeAspect="1" noGrp="1" noRot="1"/>
           </p:cNvSpPr>
@@ -1022,7 +1023,7 @@
       </p:sp>
       <p:sp>
         <p:nvSpPr>
-          <p:cNvPr id="1381462967" name="Notes Placeholder 2"/>
+          <p:cNvPr id="1004527679" name="Notes Placeholder 2"/>
           <p:cNvSpPr>
             <a:spLocks noGrp="1"/>
           </p:cNvSpPr>
@@ -1044,7 +1045,7 @@
       </p:sp>
       <p:sp>
         <p:nvSpPr>
-          <p:cNvPr id="1490149964" name="Slide Number Placeholder 3"/>
+          <p:cNvPr id="782364134" name="Slide Number Placeholder 3"/>
           <p:cNvSpPr>
             <a:spLocks noGrp="1"/>
           </p:cNvSpPr>
@@ -1060,7 +1061,7 @@
             <a:pPr>
               <a:defRPr/>
             </a:pPr>
-            <a:fld id="{719DF003-8F4F-179D-CE31-7F0DD945454E}" type="slidenum">
+            <a:fld id="{64AF451F-D208-00BF-BD6A-3DBA734F527B}" type="slidenum">
               <a:rPr/>
               <a:t/>
             </a:fld>
@@ -1074,6 +1075,88 @@
 </file>
 
 <file path=ppt/notesSlides/notesSlide8.xml><?xml version="1.0" encoding="utf-8"?>
+<p:notes xmlns:a="http://schemas.openxmlformats.org/drawingml/2006/main" xmlns:r="http://schemas.openxmlformats.org/officeDocument/2006/relationships" xmlns:p="http://schemas.openxmlformats.org/presentationml/2006/main" xmlns:m="http://schemas.openxmlformats.org/officeDocument/2006/math" xmlns:w="http://schemas.openxmlformats.org/wordprocessingml/2006/main">
+  <p:cSld name="">
+    <p:spTree>
+      <p:nvGrpSpPr>
+        <p:cNvPr id="1" name=""/>
+        <p:cNvGrpSpPr/>
+        <p:nvPr/>
+      </p:nvGrpSpPr>
+      <p:grpSpPr bwMode="auto">
+        <a:xfrm>
+          <a:off x="0" y="0"/>
+          <a:ext cx="0" cy="0"/>
+          <a:chOff x="0" y="0"/>
+          <a:chExt cx="0" cy="0"/>
+        </a:xfrm>
+      </p:grpSpPr>
+      <p:sp>
+        <p:nvSpPr>
+          <p:cNvPr id="509861835" name="Slide Image Placeholder 1"/>
+          <p:cNvSpPr>
+            <a:spLocks noChangeAspect="1" noGrp="1" noRot="1"/>
+          </p:cNvSpPr>
+          <p:nvPr>
+            <p:ph type="sldImg"/>
+          </p:nvPr>
+        </p:nvSpPr>
+        <p:spPr bwMode="auto"/>
+      </p:sp>
+      <p:sp>
+        <p:nvSpPr>
+          <p:cNvPr id="1381462967" name="Notes Placeholder 2"/>
+          <p:cNvSpPr>
+            <a:spLocks noGrp="1"/>
+          </p:cNvSpPr>
+          <p:nvPr>
+            <p:ph type="body" idx="1"/>
+          </p:nvPr>
+        </p:nvSpPr>
+        <p:spPr bwMode="auto"/>
+        <p:txBody>
+          <a:bodyPr/>
+          <a:lstStyle/>
+          <a:p>
+            <a:pPr>
+              <a:defRPr/>
+            </a:pPr>
+            <a:endParaRPr/>
+          </a:p>
+        </p:txBody>
+      </p:sp>
+      <p:sp>
+        <p:nvSpPr>
+          <p:cNvPr id="1490149964" name="Slide Number Placeholder 3"/>
+          <p:cNvSpPr>
+            <a:spLocks noGrp="1"/>
+          </p:cNvSpPr>
+          <p:nvPr>
+            <p:ph type="sldNum" sz="quarter" idx="10"/>
+          </p:nvPr>
+        </p:nvSpPr>
+        <p:spPr bwMode="auto"/>
+        <p:txBody>
+          <a:bodyPr/>
+          <a:lstStyle/>
+          <a:p>
+            <a:pPr>
+              <a:defRPr/>
+            </a:pPr>
+            <a:fld id="{719DF003-8F4F-179D-CE31-7F0DD945454E}" type="slidenum">
+              <a:rPr/>
+              <a:t/>
+            </a:fld>
+            <a:endParaRPr/>
+          </a:p>
+        </p:txBody>
+      </p:sp>
+    </p:spTree>
+  </p:cSld>
+</p:notes>
+</file>
+
+<file path=ppt/notesSlides/notesSlide9.xml><?xml version="1.0" encoding="utf-8"?>
 <p:notes xmlns:a="http://schemas.openxmlformats.org/drawingml/2006/main" xmlns:r="http://schemas.openxmlformats.org/officeDocument/2006/relationships" xmlns:p="http://schemas.openxmlformats.org/presentationml/2006/main" xmlns:m="http://schemas.openxmlformats.org/officeDocument/2006/math" xmlns:w="http://schemas.openxmlformats.org/wordprocessingml/2006/main">
   <p:cSld name="">
     <p:spTree>
@@ -4679,7 +4762,7 @@
           <a:stretch/>
         </p:blipFill>
         <p:spPr bwMode="auto">
-          <a:xfrm rot="20242173" flipH="0" flipV="0">
+          <a:xfrm rot="20242171" flipH="0" flipV="0">
             <a:off x="8161402" y="1972553"/>
             <a:ext cx="2697138" cy="2697138"/>
           </a:xfrm>
@@ -4737,12 +4820,12 @@
   <mc:AlternateContent xmlns:mc="http://schemas.openxmlformats.org/markup-compatibility/2006">
     <mc:Choice xmlns:p159="http://schemas.microsoft.com/office/powerpoint/2015/09/main" xmlns:p14="http://schemas.microsoft.com/office/powerpoint/2010/main" Requires="p159">
       <p:transition spd="slow" p14:dur="2000" advClick="1">
-        <p159:morph option="byObject"/>
+        <p:push dir="l"/>
       </p:transition>
     </mc:Choice>
     <mc:Fallback>
       <p:transition spd="slow" advClick="1">
-        <p:fade/>
+        <p:push dir="l"/>
       </p:transition>
     </mc:Fallback>
   </mc:AlternateContent>
@@ -4776,14 +4859,14 @@
       </p:grpSpPr>
       <p:sp>
         <p:nvSpPr>
-          <p:cNvPr id="441807133" name=""/>
+          <p:cNvPr id="528073902" name=""/>
           <p:cNvSpPr txBox="1"/>
           <p:nvPr/>
         </p:nvSpPr>
         <p:spPr bwMode="auto">
-          <a:xfrm flipH="0" flipV="0">
-            <a:off x="3848549" y="2587624"/>
-            <a:ext cx="183636" cy="366119"/>
+          <a:xfrm rot="0" flipH="0" flipV="0">
+            <a:off x="751041" y="523019"/>
+            <a:ext cx="8182052" cy="2286360"/>
           </a:xfrm>
           <a:prstGeom prst="rect">
             <a:avLst/>
@@ -4791,14 +4874,25 @@
           <a:noFill/>
         </p:spPr>
         <p:txBody>
-          <a:bodyPr vertOverflow="overflow" horzOverflow="overflow" vert="horz" wrap="none" lIns="91440" tIns="45720" rIns="91440" bIns="45720" numCol="1" spcCol="0" rtlCol="0" fromWordArt="0" anchor="t" anchorCtr="0" forceAA="0" upright="0" compatLnSpc="0">
+          <a:bodyPr vertOverflow="overflow" horzOverflow="overflow" vert="horz" wrap="square" lIns="91440" tIns="45720" rIns="91440" bIns="45720" numCol="1" spcCol="0" rtlCol="0" fromWordArt="0" anchor="t" anchorCtr="0" forceAA="0" upright="0" compatLnSpc="0">
             <a:spAutoFit/>
           </a:bodyPr>
           <a:p>
             <a:pPr>
               <a:defRPr/>
             </a:pPr>
-            <a:endParaRPr>
+            <a:r>
+              <a:rPr sz="7200" b="1">
+                <a:solidFill>
+                  <a:schemeClr val="tx1"/>
+                </a:solidFill>
+                <a:latin typeface="Quicksand"/>
+                <a:ea typeface="Quicksand"/>
+                <a:cs typeface="Quicksand"/>
+              </a:rPr>
+              <a:t>Atau install langsung </a:t>
+            </a:r>
+            <a:endParaRPr sz="1800">
               <a:solidFill>
                 <a:schemeClr val="tx1"/>
               </a:solidFill>
@@ -4808,54 +4902,21 @@
       </p:sp>
       <p:sp>
         <p:nvSpPr>
-          <p:cNvPr id="291514245" name=""/>
-          <p:cNvSpPr txBox="1"/>
+          <p:cNvPr id="529194120" name=""/>
+          <p:cNvSpPr/>
           <p:nvPr/>
         </p:nvSpPr>
         <p:spPr bwMode="auto">
           <a:xfrm flipH="0" flipV="0">
-            <a:off x="3478249" y="2997558"/>
-            <a:ext cx="183636" cy="366119"/>
+            <a:off x="751041" y="2894089"/>
+            <a:ext cx="5935340" cy="63497"/>
           </a:xfrm>
           <a:prstGeom prst="rect">
             <a:avLst/>
           </a:prstGeom>
-          <a:noFill/>
-        </p:spPr>
-        <p:txBody>
-          <a:bodyPr vertOverflow="overflow" horzOverflow="overflow" vert="horz" wrap="none" lIns="91440" tIns="45720" rIns="91440" bIns="45720" numCol="1" spcCol="0" rtlCol="0" fromWordArt="0" anchor="t" anchorCtr="0" forceAA="0" upright="0" compatLnSpc="0">
-            <a:spAutoFit/>
-          </a:bodyPr>
-          <a:p>
-            <a:pPr>
-              <a:defRPr/>
-            </a:pPr>
-            <a:endParaRPr>
-              <a:solidFill>
-                <a:schemeClr val="tx1"/>
-              </a:solidFill>
-            </a:endParaRPr>
-          </a:p>
-        </p:txBody>
-      </p:sp>
-      <p:sp>
-        <p:nvSpPr>
-          <p:cNvPr id="373027271" name=""/>
-          <p:cNvSpPr/>
-          <p:nvPr/>
-        </p:nvSpPr>
-        <p:spPr bwMode="auto">
-          <a:xfrm flipH="0" flipV="0">
-            <a:off x="-14490" y="6054024"/>
-            <a:ext cx="12221058" cy="807202"/>
-          </a:xfrm>
-          <a:prstGeom prst="rect">
-            <a:avLst/>
-          </a:prstGeom>
-          <a:blipFill>
-            <a:blip r:embed="rId3"/>
-            <a:tile/>
-          </a:blipFill>
+          <a:solidFill>
+            <a:srgbClr val="E01B24"/>
+          </a:solidFill>
           <a:ln w="12700" cap="flat" cmpd="sng" algn="ctr">
             <a:noFill/>
             <a:prstDash val="solid"/>
@@ -4881,21 +4942,190 @@
       </p:sp>
       <p:sp>
         <p:nvSpPr>
-          <p:cNvPr id="1564983988" name=""/>
-          <p:cNvSpPr/>
+          <p:cNvPr id="314038775" name=""/>
+          <p:cNvSpPr txBox="1"/>
           <p:nvPr/>
         </p:nvSpPr>
         <p:spPr bwMode="auto">
           <a:xfrm flipH="0" flipV="0">
-            <a:off x="751041" y="1712099"/>
-            <a:ext cx="2819025" cy="63497"/>
+            <a:off x="1793642" y="3680847"/>
+            <a:ext cx="914400" cy="366118"/>
           </a:xfrm>
           <a:prstGeom prst="rect">
             <a:avLst/>
           </a:prstGeom>
-          <a:solidFill>
-            <a:srgbClr val="E01B24"/>
-          </a:solidFill>
+          <a:noFill/>
+        </p:spPr>
+        <p:txBody>
+          <a:bodyPr vertOverflow="overflow" horzOverflow="overflow" vert="horz" wrap="none" lIns="91440" tIns="45720" rIns="91440" bIns="45720" numCol="1" spcCol="0" rtlCol="0" fromWordArt="0" anchor="t" anchorCtr="0" forceAA="0" upright="0" compatLnSpc="0">
+            <a:spAutoFit/>
+          </a:bodyPr>
+          <a:p>
+            <a:pPr>
+              <a:defRPr/>
+            </a:pPr>
+            <a:endParaRPr/>
+          </a:p>
+        </p:txBody>
+      </p:sp>
+      <p:sp>
+        <p:nvSpPr>
+          <p:cNvPr id="1651034298" name=""/>
+          <p:cNvSpPr txBox="1"/>
+          <p:nvPr/>
+        </p:nvSpPr>
+        <p:spPr bwMode="auto">
+          <a:xfrm flipH="0" flipV="0">
+            <a:off x="751041" y="3487117"/>
+            <a:ext cx="6721008" cy="2054710"/>
+          </a:xfrm>
+          <a:prstGeom prst="rect">
+            <a:avLst/>
+          </a:prstGeom>
+          <a:noFill/>
+        </p:spPr>
+        <p:txBody>
+          <a:bodyPr vertOverflow="overflow" horzOverflow="overflow" vert="horz" wrap="none" lIns="91440" tIns="45720" rIns="91440" bIns="45720" numCol="1" spcCol="0" rtlCol="0" fromWordArt="0" anchor="t" anchorCtr="0" forceAA="0" upright="0" compatLnSpc="0">
+            <a:spAutoFit/>
+          </a:bodyPr>
+          <a:p>
+            <a:pPr marL="283878" indent="-283878">
+              <a:lnSpc>
+                <a:spcPct val="114999"/>
+              </a:lnSpc>
+              <a:buAutoNum type="arabicPeriod"/>
+              <a:defRPr/>
+            </a:pPr>
+            <a:r>
+              <a:rPr lang="en-US" sz="2800" b="0" i="0" u="none" strike="noStrike" cap="none" spc="0">
+                <a:solidFill>
+                  <a:schemeClr val="tx1"/>
+                </a:solidFill>
+                <a:latin typeface="Quicksand"/>
+                <a:ea typeface="Quicksand"/>
+                <a:cs typeface="Quicksand"/>
+              </a:rPr>
+              <a:t>PHP &gt;= 8.0</a:t>
+            </a:r>
+            <a:endParaRPr lang="en-US" sz="2800" b="0" i="0" u="none" strike="noStrike" cap="none" spc="0">
+              <a:solidFill>
+                <a:schemeClr val="tx1"/>
+              </a:solidFill>
+              <a:latin typeface="Times New Roman"/>
+              <a:cs typeface="Times New Roman"/>
+            </a:endParaRPr>
+          </a:p>
+          <a:p>
+            <a:pPr marL="283878" indent="-283878">
+              <a:lnSpc>
+                <a:spcPct val="114999"/>
+              </a:lnSpc>
+              <a:buAutoNum type="arabicPeriod"/>
+              <a:defRPr/>
+            </a:pPr>
+            <a:r>
+              <a:rPr lang="en-US" sz="2800" b="0" i="0" u="none" strike="noStrike" cap="none" spc="0">
+                <a:solidFill>
+                  <a:schemeClr val="tx1"/>
+                </a:solidFill>
+                <a:latin typeface="Quicksand"/>
+                <a:ea typeface="Quicksand"/>
+                <a:cs typeface="Quicksand"/>
+              </a:rPr>
+              <a:t>Server</a:t>
+            </a:r>
+            <a:endParaRPr sz="2800">
+              <a:latin typeface="Quicksand"/>
+              <a:cs typeface="Quicksand"/>
+            </a:endParaRPr>
+          </a:p>
+          <a:p>
+            <a:pPr marL="283878" indent="-283878">
+              <a:lnSpc>
+                <a:spcPct val="114999"/>
+              </a:lnSpc>
+              <a:buAutoNum type="arabicPeriod"/>
+              <a:defRPr/>
+            </a:pPr>
+            <a:r>
+              <a:rPr lang="en-US" sz="2800" b="0" i="0" u="none" strike="noStrike" cap="none" spc="0">
+                <a:solidFill>
+                  <a:schemeClr val="tx1"/>
+                </a:solidFill>
+                <a:latin typeface="Quicksand"/>
+                <a:ea typeface="Quicksand"/>
+                <a:cs typeface="Quicksand"/>
+              </a:rPr>
+              <a:t>Composer </a:t>
+            </a:r>
+            <a:endParaRPr sz="2800">
+              <a:latin typeface="Quicksand"/>
+              <a:cs typeface="Quicksand"/>
+            </a:endParaRPr>
+          </a:p>
+          <a:p>
+            <a:pPr marL="283878" indent="-283878">
+              <a:lnSpc>
+                <a:spcPct val="114999"/>
+              </a:lnSpc>
+              <a:buAutoNum type="arabicPeriod"/>
+              <a:defRPr/>
+            </a:pPr>
+            <a:r>
+              <a:rPr sz="2800">
+                <a:latin typeface="Quicksand"/>
+                <a:ea typeface="Quicksand"/>
+                <a:cs typeface="Quicksand"/>
+              </a:rPr>
+              <a:t>Database (Mysql, MariaDB/ Postgree)</a:t>
+            </a:r>
+            <a:endParaRPr sz="2800">
+              <a:latin typeface="Quicksand"/>
+              <a:cs typeface="Quicksand"/>
+            </a:endParaRPr>
+          </a:p>
+        </p:txBody>
+      </p:sp>
+      <p:pic>
+        <p:nvPicPr>
+          <p:cNvPr id="1113308226" name=""/>
+          <p:cNvPicPr>
+            <a:picLocks noChangeAspect="1"/>
+          </p:cNvPicPr>
+          <p:nvPr/>
+        </p:nvPicPr>
+        <p:blipFill>
+          <a:blip r:embed="rId3"/>
+          <a:stretch/>
+        </p:blipFill>
+        <p:spPr bwMode="auto">
+          <a:xfrm rot="20242140" flipH="0" flipV="0">
+            <a:off x="8161401" y="1972552"/>
+            <a:ext cx="2697138" cy="2697138"/>
+          </a:xfrm>
+          <a:prstGeom prst="rect">
+            <a:avLst/>
+          </a:prstGeom>
+        </p:spPr>
+      </p:pic>
+      <p:sp>
+        <p:nvSpPr>
+          <p:cNvPr id="349855731" name=""/>
+          <p:cNvSpPr/>
+          <p:nvPr/>
+        </p:nvSpPr>
+        <p:spPr bwMode="auto">
+          <a:xfrm flipH="0" flipV="0">
+            <a:off x="-14490" y="6054023"/>
+            <a:ext cx="12221057" cy="807201"/>
+          </a:xfrm>
+          <a:prstGeom prst="rect">
+            <a:avLst/>
+          </a:prstGeom>
+          <a:blipFill>
+            <a:blip r:embed="rId4"/>
+            <a:tile/>
+          </a:blipFill>
           <a:ln w="12700" cap="flat" cmpd="sng" algn="ctr">
             <a:noFill/>
             <a:prstDash val="solid"/>
@@ -4919,16 +5149,108 @@
           </a:fontRef>
         </p:style>
       </p:sp>
-      <p:sp>
-        <p:nvSpPr>
-          <p:cNvPr id="809939770" name=""/>
+    </p:spTree>
+  </p:cSld>
+  <p:clrMapOvr>
+    <a:masterClrMapping/>
+  </p:clrMapOvr>
+  <mc:AlternateContent xmlns:mc="http://schemas.openxmlformats.org/markup-compatibility/2006">
+    <mc:Choice xmlns:p159="http://schemas.microsoft.com/office/powerpoint/2015/09/main" xmlns:p14="http://schemas.microsoft.com/office/powerpoint/2010/main" Requires="p159">
+      <p:transition spd="slow" p14:dur="2000" advClick="1">
+        <p:push dir="l"/>
+      </p:transition>
+    </mc:Choice>
+    <mc:Fallback>
+      <p:transition spd="slow" advClick="1">
+        <p:push dir="l"/>
+      </p:transition>
+    </mc:Fallback>
+  </mc:AlternateContent>
+  <p:timing/>
+</p:sld>
+</file>
+
+<file path=ppt/slides/slide4.xml><?xml version="1.0" encoding="utf-8"?>
+<p:sld xmlns:a="http://schemas.openxmlformats.org/drawingml/2006/main" xmlns:r="http://schemas.openxmlformats.org/officeDocument/2006/relationships" xmlns:p="http://schemas.openxmlformats.org/presentationml/2006/main" xmlns:m="http://schemas.openxmlformats.org/officeDocument/2006/math" xmlns:w="http://schemas.openxmlformats.org/wordprocessingml/2006/main" xmlns:mc="http://schemas.openxmlformats.org/markup-compatibility/2006" showMasterPhAnim="0" showMasterSp="1" show="1">
+  <p:cSld name="">
+    <p:bg>
+      <p:bgPr shadeToTitle="0">
+        <a:solidFill>
+          <a:schemeClr val="bg1"/>
+        </a:solidFill>
+      </p:bgPr>
+    </p:bg>
+    <p:spTree>
+      <p:nvGrpSpPr>
+        <p:cNvPr id="1" name=""/>
+        <p:cNvGrpSpPr/>
+        <p:nvPr/>
+      </p:nvGrpSpPr>
+      <p:grpSpPr bwMode="auto">
+        <a:xfrm>
+          <a:off x="0" y="0"/>
+          <a:ext cx="0" cy="0"/>
+          <a:chOff x="0" y="0"/>
+          <a:chExt cx="0" cy="0"/>
+        </a:xfrm>
+      </p:grpSpPr>
+      <p:pic>
+        <p:nvPicPr>
+          <p:cNvPr id="2008191764" name=""/>
+          <p:cNvPicPr>
+            <a:picLocks noChangeAspect="1"/>
+          </p:cNvPicPr>
+          <p:nvPr/>
+        </p:nvPicPr>
+        <p:blipFill>
+          <a:blip r:embed="rId3"/>
+          <a:stretch/>
+        </p:blipFill>
+        <p:spPr bwMode="auto">
+          <a:xfrm rot="791197" flipH="0" flipV="0">
+            <a:off x="-684117" y="4294673"/>
+            <a:ext cx="3743336" cy="3743336"/>
+          </a:xfrm>
+          <a:prstGeom prst="rect">
+            <a:avLst/>
+          </a:prstGeom>
+          <a:ln w="12700">
+            <a:noFill/>
+          </a:ln>
+        </p:spPr>
+      </p:pic>
+      <p:pic>
+        <p:nvPicPr>
+          <p:cNvPr id="1264170861" name=""/>
+          <p:cNvPicPr>
+            <a:picLocks noChangeAspect="1"/>
+          </p:cNvPicPr>
+          <p:nvPr/>
+        </p:nvPicPr>
+        <p:blipFill>
+          <a:blip r:embed="rId3"/>
+          <a:stretch/>
+        </p:blipFill>
+        <p:spPr bwMode="auto">
+          <a:xfrm rot="20242140" flipH="0" flipV="0">
+            <a:off x="8318898" y="1658784"/>
+            <a:ext cx="2697138" cy="2697138"/>
+          </a:xfrm>
+          <a:prstGeom prst="rect">
+            <a:avLst/>
+          </a:prstGeom>
+        </p:spPr>
+      </p:pic>
+      <p:sp>
+        <p:nvSpPr>
+          <p:cNvPr id="521762569" name=""/>
           <p:cNvSpPr txBox="1"/>
           <p:nvPr/>
         </p:nvSpPr>
         <p:spPr bwMode="auto">
-          <a:xfrm rot="0" flipH="0" flipV="0">
-            <a:off x="751041" y="523019"/>
-            <a:ext cx="2912643" cy="1189080"/>
+          <a:xfrm flipH="0" flipV="0">
+            <a:off x="3848547" y="2587622"/>
+            <a:ext cx="183636" cy="366117"/>
           </a:xfrm>
           <a:prstGeom prst="rect">
             <a:avLst/>
@@ -4936,6 +5258,151 @@
           <a:noFill/>
         </p:spPr>
         <p:txBody>
+          <a:bodyPr vertOverflow="overflow" horzOverflow="overflow" vert="horz" wrap="none" lIns="91440" tIns="45720" rIns="91440" bIns="45720" numCol="1" spcCol="0" rtlCol="0" fromWordArt="0" anchor="t" anchorCtr="0" forceAA="0" upright="0" compatLnSpc="0">
+            <a:spAutoFit/>
+          </a:bodyPr>
+          <a:p>
+            <a:pPr>
+              <a:defRPr/>
+            </a:pPr>
+            <a:endParaRPr>
+              <a:solidFill>
+                <a:schemeClr val="tx1"/>
+              </a:solidFill>
+            </a:endParaRPr>
+          </a:p>
+        </p:txBody>
+      </p:sp>
+      <p:sp>
+        <p:nvSpPr>
+          <p:cNvPr id="425614964" name=""/>
+          <p:cNvSpPr txBox="1"/>
+          <p:nvPr/>
+        </p:nvSpPr>
+        <p:spPr bwMode="auto">
+          <a:xfrm flipH="0" flipV="0">
+            <a:off x="3478248" y="2997558"/>
+            <a:ext cx="183636" cy="366117"/>
+          </a:xfrm>
+          <a:prstGeom prst="rect">
+            <a:avLst/>
+          </a:prstGeom>
+          <a:noFill/>
+        </p:spPr>
+        <p:txBody>
+          <a:bodyPr vertOverflow="overflow" horzOverflow="overflow" vert="horz" wrap="none" lIns="91440" tIns="45720" rIns="91440" bIns="45720" numCol="1" spcCol="0" rtlCol="0" fromWordArt="0" anchor="t" anchorCtr="0" forceAA="0" upright="0" compatLnSpc="0">
+            <a:spAutoFit/>
+          </a:bodyPr>
+          <a:p>
+            <a:pPr>
+              <a:defRPr/>
+            </a:pPr>
+            <a:endParaRPr>
+              <a:solidFill>
+                <a:schemeClr val="tx1"/>
+              </a:solidFill>
+            </a:endParaRPr>
+          </a:p>
+        </p:txBody>
+      </p:sp>
+      <p:sp>
+        <p:nvSpPr>
+          <p:cNvPr id="807942207" name=""/>
+          <p:cNvSpPr/>
+          <p:nvPr/>
+        </p:nvSpPr>
+        <p:spPr bwMode="auto">
+          <a:xfrm flipH="0" flipV="0">
+            <a:off x="-14490" y="6054022"/>
+            <a:ext cx="12221056" cy="807200"/>
+          </a:xfrm>
+          <a:prstGeom prst="rect">
+            <a:avLst/>
+          </a:prstGeom>
+          <a:blipFill>
+            <a:blip r:embed="rId4"/>
+            <a:tile/>
+          </a:blipFill>
+          <a:ln w="12700" cap="flat" cmpd="sng" algn="ctr">
+            <a:noFill/>
+            <a:prstDash val="solid"/>
+            <a:miter lim="800000"/>
+          </a:ln>
+        </p:spPr>
+        <p:style>
+          <a:lnRef idx="2">
+            <a:schemeClr val="accent1">
+              <a:shade val="50000"/>
+            </a:schemeClr>
+          </a:lnRef>
+          <a:fillRef idx="1">
+            <a:schemeClr val="accent1"/>
+          </a:fillRef>
+          <a:effectRef idx="0">
+            <a:schemeClr val="accent1"/>
+          </a:effectRef>
+          <a:fontRef idx="minor">
+            <a:schemeClr val="lt1"/>
+          </a:fontRef>
+        </p:style>
+      </p:sp>
+      <p:sp>
+        <p:nvSpPr>
+          <p:cNvPr id="2059546424" name=""/>
+          <p:cNvSpPr/>
+          <p:nvPr/>
+        </p:nvSpPr>
+        <p:spPr bwMode="auto">
+          <a:xfrm flipH="0" flipV="0">
+            <a:off x="751041" y="1712098"/>
+            <a:ext cx="2819025" cy="63495"/>
+          </a:xfrm>
+          <a:prstGeom prst="rect">
+            <a:avLst/>
+          </a:prstGeom>
+          <a:solidFill>
+            <a:srgbClr val="E01B24"/>
+          </a:solidFill>
+          <a:ln w="12700" cap="flat" cmpd="sng" algn="ctr">
+            <a:noFill/>
+            <a:prstDash val="solid"/>
+            <a:miter lim="800000"/>
+          </a:ln>
+        </p:spPr>
+        <p:style>
+          <a:lnRef idx="2">
+            <a:schemeClr val="accent1">
+              <a:shade val="50000"/>
+            </a:schemeClr>
+          </a:lnRef>
+          <a:fillRef idx="1">
+            <a:schemeClr val="accent1"/>
+          </a:fillRef>
+          <a:effectRef idx="0">
+            <a:schemeClr val="accent1"/>
+          </a:effectRef>
+          <a:fontRef idx="minor">
+            <a:schemeClr val="lt1"/>
+          </a:fontRef>
+        </p:style>
+      </p:sp>
+      <p:sp>
+        <p:nvSpPr>
+          <p:cNvPr id="181716999" name=""/>
+          <p:cNvSpPr txBox="1"/>
+          <p:nvPr/>
+        </p:nvSpPr>
+        <p:spPr bwMode="auto">
+          <a:xfrm rot="0" flipH="0" flipV="0">
+            <a:off x="751041" y="523018"/>
+            <a:ext cx="3663702" cy="1189080"/>
+          </a:xfrm>
+          <a:prstGeom prst="rect">
+            <a:avLst/>
+          </a:prstGeom>
+          <a:noFill/>
+        </p:spPr>
+        <p:txBody>
           <a:bodyPr vertOverflow="overflow" horzOverflow="overflow" vert="horz" wrap="square" lIns="91440" tIns="45720" rIns="91440" bIns="45720" numCol="1" spcCol="0" rtlCol="0" fromWordArt="0" anchor="t" anchorCtr="0" forceAA="0" upright="0" compatLnSpc="0">
             <a:spAutoFit/>
           </a:bodyPr>
@@ -4952,7 +5419,7 @@
                 <a:ea typeface="Quicksand"/>
                 <a:cs typeface="Quicksand"/>
               </a:rPr>
-              <a:t>PHP</a:t>
+              <a:t>Laravel </a:t>
             </a:r>
             <a:endParaRPr sz="1800">
               <a:solidFill>
@@ -4964,14 +5431,14 @@
       </p:sp>
       <p:sp>
         <p:nvSpPr>
-          <p:cNvPr id="65314965" name=""/>
-          <p:cNvSpPr/>
+          <p:cNvPr id="799028066" name=""/>
+          <p:cNvSpPr txBox="1"/>
           <p:nvPr/>
         </p:nvSpPr>
         <p:spPr bwMode="auto">
           <a:xfrm flipH="0" flipV="0">
-            <a:off x="751041" y="3180617"/>
-            <a:ext cx="8776691" cy="366119"/>
+            <a:off x="751040" y="3798505"/>
+            <a:ext cx="6340831" cy="375915"/>
           </a:xfrm>
           <a:prstGeom prst="rect">
             <a:avLst/>
@@ -4983,15 +5450,417 @@
           </a:solidFill>
         </p:spPr>
         <p:txBody>
-          <a:bodyPr rot="0" spcFirstLastPara="0" vertOverflow="overflow" horzOverflow="overflow" vert="horz" wrap="square" lIns="91440" tIns="45720" rIns="91440" bIns="45720" numCol="1" spcCol="0" rtlCol="0" fromWordArt="0" anchor="t" anchorCtr="0" forceAA="0" upright="0" compatLnSpc="1">
-            <a:prstTxWarp prst="textNoShape"/>
+          <a:bodyPr vertOverflow="overflow" horzOverflow="overflow" vert="horz" wrap="square" lIns="91440" tIns="45720" rIns="91440" bIns="45720" numCol="1" spcCol="0" rtlCol="0" fromWordArt="0" anchor="t" anchorCtr="0" forceAA="0" upright="0" compatLnSpc="0">
             <a:spAutoFit/>
           </a:bodyPr>
           <a:p>
             <a:pPr>
               <a:defRPr/>
             </a:pPr>
-            <a:endParaRPr/>
+            <a:r>
+              <a:rPr sz="1800"/>
+              <a:t>&gt;&gt;</a:t>
+            </a:r>
+            <a:r>
+              <a:rPr sz="1800" b="0" i="0" u="none">
+                <a:solidFill>
+                  <a:srgbClr val="A31515"/>
+                </a:solidFill>
+                <a:latin typeface="Calibri"/>
+                <a:ea typeface="Calibri"/>
+                <a:cs typeface="Calibri"/>
+              </a:rPr>
+              <a:t> composer</a:t>
+            </a:r>
+            <a:r>
+              <a:rPr sz="1800" b="0" i="0" u="none">
+                <a:solidFill>
+                  <a:srgbClr val="000000"/>
+                </a:solidFill>
+                <a:latin typeface="Calibri"/>
+                <a:ea typeface="Calibri"/>
+                <a:cs typeface="Calibri"/>
+              </a:rPr>
+              <a:t> global require laravel/installer</a:t>
+            </a:r>
+            <a:endParaRPr sz="1800"/>
+          </a:p>
+        </p:txBody>
+      </p:sp>
+      <p:sp>
+        <p:nvSpPr>
+          <p:cNvPr id="1798903215" name=""/>
+          <p:cNvSpPr txBox="1"/>
+          <p:nvPr/>
+        </p:nvSpPr>
+        <p:spPr bwMode="auto">
+          <a:xfrm flipH="0" flipV="0">
+            <a:off x="741321" y="2631438"/>
+            <a:ext cx="6350551" cy="375915"/>
+          </a:xfrm>
+          <a:prstGeom prst="rect">
+            <a:avLst/>
+          </a:prstGeom>
+          <a:solidFill>
+            <a:schemeClr val="bg2">
+              <a:lumMod val="90000"/>
+            </a:schemeClr>
+          </a:solidFill>
+        </p:spPr>
+        <p:txBody>
+          <a:bodyPr vertOverflow="overflow" horzOverflow="overflow" vert="horz" wrap="square" lIns="91440" tIns="45720" rIns="91440" bIns="45720" numCol="1" spcCol="0" rtlCol="0" fromWordArt="0" anchor="t" anchorCtr="0" forceAA="0" upright="0" compatLnSpc="0">
+            <a:spAutoFit/>
+          </a:bodyPr>
+          <a:p>
+            <a:pPr>
+              <a:defRPr/>
+            </a:pPr>
+            <a:r>
+              <a:rPr/>
+              <a:t>&gt;&gt;</a:t>
+            </a:r>
+            <a:r>
+              <a:rPr sz="1800" b="0" i="0" u="none">
+                <a:solidFill>
+                  <a:srgbClr val="000000"/>
+                </a:solidFill>
+                <a:latin typeface="Calibri"/>
+                <a:ea typeface="Calibri"/>
+                <a:cs typeface="Calibri"/>
+              </a:rPr>
+              <a:t> /</a:t>
+            </a:r>
+            <a:r>
+              <a:rPr sz="1800" b="0" i="0" u="none">
+                <a:solidFill>
+                  <a:srgbClr val="A31515"/>
+                </a:solidFill>
+                <a:latin typeface="Calibri"/>
+                <a:ea typeface="Calibri"/>
+                <a:cs typeface="Calibri"/>
+              </a:rPr>
+              <a:t>bin</a:t>
+            </a:r>
+            <a:r>
+              <a:rPr sz="1800" b="0" i="0" u="none">
+                <a:solidFill>
+                  <a:srgbClr val="000000"/>
+                </a:solidFill>
+                <a:latin typeface="Calibri"/>
+                <a:ea typeface="Calibri"/>
+                <a:cs typeface="Calibri"/>
+              </a:rPr>
+              <a:t>/bash -c </a:t>
+            </a:r>
+            <a:r>
+              <a:rPr sz="1800" b="0" i="0" u="none">
+                <a:solidFill>
+                  <a:srgbClr val="A31515"/>
+                </a:solidFill>
+                <a:latin typeface="Calibri"/>
+                <a:ea typeface="Calibri"/>
+                <a:cs typeface="Calibri"/>
+              </a:rPr>
+              <a:t>"$(curl -fsSL https://php.new/install/linux/8.4)"</a:t>
+            </a:r>
+            <a:endParaRPr/>
+          </a:p>
+        </p:txBody>
+      </p:sp>
+      <p:sp>
+        <p:nvSpPr>
+          <p:cNvPr id="875906869" name=""/>
+          <p:cNvSpPr txBox="1"/>
+          <p:nvPr/>
+        </p:nvSpPr>
+        <p:spPr bwMode="auto">
+          <a:xfrm flipH="0" flipV="0">
+            <a:off x="741321" y="2087778"/>
+            <a:ext cx="2775875" cy="366119"/>
+          </a:xfrm>
+          <a:prstGeom prst="rect">
+            <a:avLst/>
+          </a:prstGeom>
+          <a:noFill/>
+        </p:spPr>
+        <p:txBody>
+          <a:bodyPr vertOverflow="overflow" horzOverflow="overflow" vert="horz" wrap="none" lIns="91440" tIns="45720" rIns="91440" bIns="45720" numCol="1" spcCol="0" rtlCol="0" fromWordArt="0" anchor="t" anchorCtr="0" forceAA="0" upright="0" compatLnSpc="0">
+            <a:spAutoFit/>
+          </a:bodyPr>
+          <a:p>
+            <a:pPr>
+              <a:defRPr/>
+            </a:pPr>
+            <a:r>
+              <a:rPr/>
+              <a:t>Install satu paket Laravel:</a:t>
+            </a:r>
+            <a:endParaRPr/>
+          </a:p>
+        </p:txBody>
+      </p:sp>
+      <p:sp>
+        <p:nvSpPr>
+          <p:cNvPr id="1698427467" name=""/>
+          <p:cNvSpPr txBox="1"/>
+          <p:nvPr/>
+        </p:nvSpPr>
+        <p:spPr bwMode="auto">
+          <a:xfrm flipH="0" flipV="0">
+            <a:off x="741321" y="3300998"/>
+            <a:ext cx="2521492" cy="366119"/>
+          </a:xfrm>
+          <a:prstGeom prst="rect">
+            <a:avLst/>
+          </a:prstGeom>
+          <a:noFill/>
+        </p:spPr>
+        <p:txBody>
+          <a:bodyPr vertOverflow="overflow" horzOverflow="overflow" vert="horz" wrap="none" lIns="91440" tIns="45720" rIns="91440" bIns="45720" numCol="1" spcCol="0" rtlCol="0" fromWordArt="0" anchor="t" anchorCtr="0" forceAA="0" upright="0" compatLnSpc="0">
+            <a:spAutoFit/>
+          </a:bodyPr>
+          <a:p>
+            <a:pPr>
+              <a:defRPr/>
+            </a:pPr>
+            <a:r>
+              <a:rPr/>
+              <a:t>Install pakai composer:</a:t>
+            </a:r>
+            <a:endParaRPr/>
+          </a:p>
+        </p:txBody>
+      </p:sp>
+    </p:spTree>
+  </p:cSld>
+  <p:clrMapOvr>
+    <a:masterClrMapping/>
+  </p:clrMapOvr>
+  <mc:AlternateContent xmlns:mc="http://schemas.openxmlformats.org/markup-compatibility/2006">
+    <mc:Choice xmlns:p159="http://schemas.microsoft.com/office/powerpoint/2015/09/main" xmlns:p14="http://schemas.microsoft.com/office/powerpoint/2010/main" Requires="p159">
+      <p:transition spd="slow" p14:dur="2000" advClick="1">
+        <p:push dir="l"/>
+      </p:transition>
+    </mc:Choice>
+    <mc:Fallback>
+      <p:transition spd="slow" advClick="1">
+        <p:push dir="l"/>
+      </p:transition>
+    </mc:Fallback>
+  </mc:AlternateContent>
+  <p:timing/>
+</p:sld>
+</file>
+
+<file path=ppt/slides/slide5.xml><?xml version="1.0" encoding="utf-8"?>
+<p:sld xmlns:a="http://schemas.openxmlformats.org/drawingml/2006/main" xmlns:r="http://schemas.openxmlformats.org/officeDocument/2006/relationships" xmlns:p="http://schemas.openxmlformats.org/presentationml/2006/main" xmlns:m="http://schemas.openxmlformats.org/officeDocument/2006/math" xmlns:w="http://schemas.openxmlformats.org/wordprocessingml/2006/main" xmlns:mc="http://schemas.openxmlformats.org/markup-compatibility/2006" showMasterPhAnim="0" showMasterSp="1" show="1">
+  <p:cSld name="">
+    <p:bg>
+      <p:bgPr shadeToTitle="0">
+        <a:solidFill>
+          <a:schemeClr val="bg1"/>
+        </a:solidFill>
+      </p:bgPr>
+    </p:bg>
+    <p:spTree>
+      <p:nvGrpSpPr>
+        <p:cNvPr id="1" name=""/>
+        <p:cNvGrpSpPr/>
+        <p:nvPr/>
+      </p:nvGrpSpPr>
+      <p:grpSpPr bwMode="auto">
+        <a:xfrm>
+          <a:off x="0" y="0"/>
+          <a:ext cx="0" cy="0"/>
+          <a:chOff x="0" y="0"/>
+          <a:chExt cx="0" cy="0"/>
+        </a:xfrm>
+      </p:grpSpPr>
+      <p:sp>
+        <p:nvSpPr>
+          <p:cNvPr id="441807133" name=""/>
+          <p:cNvSpPr txBox="1"/>
+          <p:nvPr/>
+        </p:nvSpPr>
+        <p:spPr bwMode="auto">
+          <a:xfrm flipH="0" flipV="0">
+            <a:off x="3848549" y="2587624"/>
+            <a:ext cx="183636" cy="366119"/>
+          </a:xfrm>
+          <a:prstGeom prst="rect">
+            <a:avLst/>
+          </a:prstGeom>
+          <a:noFill/>
+        </p:spPr>
+        <p:txBody>
+          <a:bodyPr vertOverflow="overflow" horzOverflow="overflow" vert="horz" wrap="none" lIns="91440" tIns="45720" rIns="91440" bIns="45720" numCol="1" spcCol="0" rtlCol="0" fromWordArt="0" anchor="t" anchorCtr="0" forceAA="0" upright="0" compatLnSpc="0">
+            <a:spAutoFit/>
+          </a:bodyPr>
+          <a:p>
+            <a:pPr>
+              <a:defRPr/>
+            </a:pPr>
+            <a:endParaRPr>
+              <a:solidFill>
+                <a:schemeClr val="tx1"/>
+              </a:solidFill>
+            </a:endParaRPr>
+          </a:p>
+        </p:txBody>
+      </p:sp>
+      <p:sp>
+        <p:nvSpPr>
+          <p:cNvPr id="291514245" name=""/>
+          <p:cNvSpPr txBox="1"/>
+          <p:nvPr/>
+        </p:nvSpPr>
+        <p:spPr bwMode="auto">
+          <a:xfrm flipH="0" flipV="0">
+            <a:off x="3478249" y="2997558"/>
+            <a:ext cx="183636" cy="366119"/>
+          </a:xfrm>
+          <a:prstGeom prst="rect">
+            <a:avLst/>
+          </a:prstGeom>
+          <a:noFill/>
+        </p:spPr>
+        <p:txBody>
+          <a:bodyPr vertOverflow="overflow" horzOverflow="overflow" vert="horz" wrap="none" lIns="91440" tIns="45720" rIns="91440" bIns="45720" numCol="1" spcCol="0" rtlCol="0" fromWordArt="0" anchor="t" anchorCtr="0" forceAA="0" upright="0" compatLnSpc="0">
+            <a:spAutoFit/>
+          </a:bodyPr>
+          <a:p>
+            <a:pPr>
+              <a:defRPr/>
+            </a:pPr>
+            <a:endParaRPr>
+              <a:solidFill>
+                <a:schemeClr val="tx1"/>
+              </a:solidFill>
+            </a:endParaRPr>
+          </a:p>
+        </p:txBody>
+      </p:sp>
+      <p:sp>
+        <p:nvSpPr>
+          <p:cNvPr id="373027271" name=""/>
+          <p:cNvSpPr/>
+          <p:nvPr/>
+        </p:nvSpPr>
+        <p:spPr bwMode="auto">
+          <a:xfrm flipH="0" flipV="0">
+            <a:off x="-14490" y="6054024"/>
+            <a:ext cx="12221058" cy="807202"/>
+          </a:xfrm>
+          <a:prstGeom prst="rect">
+            <a:avLst/>
+          </a:prstGeom>
+          <a:blipFill>
+            <a:blip r:embed="rId3"/>
+            <a:tile/>
+          </a:blipFill>
+          <a:ln w="12700" cap="flat" cmpd="sng" algn="ctr">
+            <a:noFill/>
+            <a:prstDash val="solid"/>
+            <a:miter lim="800000"/>
+          </a:ln>
+        </p:spPr>
+        <p:style>
+          <a:lnRef idx="2">
+            <a:schemeClr val="accent1">
+              <a:shade val="50000"/>
+            </a:schemeClr>
+          </a:lnRef>
+          <a:fillRef idx="1">
+            <a:schemeClr val="accent1"/>
+          </a:fillRef>
+          <a:effectRef idx="0">
+            <a:schemeClr val="accent1"/>
+          </a:effectRef>
+          <a:fontRef idx="minor">
+            <a:schemeClr val="lt1"/>
+          </a:fontRef>
+        </p:style>
+      </p:sp>
+      <p:sp>
+        <p:nvSpPr>
+          <p:cNvPr id="1564983988" name=""/>
+          <p:cNvSpPr/>
+          <p:nvPr/>
+        </p:nvSpPr>
+        <p:spPr bwMode="auto">
+          <a:xfrm flipH="0" flipV="0">
+            <a:off x="751041" y="1712099"/>
+            <a:ext cx="2819025" cy="63497"/>
+          </a:xfrm>
+          <a:prstGeom prst="rect">
+            <a:avLst/>
+          </a:prstGeom>
+          <a:solidFill>
+            <a:srgbClr val="E01B24"/>
+          </a:solidFill>
+          <a:ln w="12700" cap="flat" cmpd="sng" algn="ctr">
+            <a:noFill/>
+            <a:prstDash val="solid"/>
+            <a:miter lim="800000"/>
+          </a:ln>
+        </p:spPr>
+        <p:style>
+          <a:lnRef idx="2">
+            <a:schemeClr val="accent1">
+              <a:shade val="50000"/>
+            </a:schemeClr>
+          </a:lnRef>
+          <a:fillRef idx="1">
+            <a:schemeClr val="accent1"/>
+          </a:fillRef>
+          <a:effectRef idx="0">
+            <a:schemeClr val="accent1"/>
+          </a:effectRef>
+          <a:fontRef idx="minor">
+            <a:schemeClr val="lt1"/>
+          </a:fontRef>
+        </p:style>
+      </p:sp>
+      <p:sp>
+        <p:nvSpPr>
+          <p:cNvPr id="809939770" name=""/>
+          <p:cNvSpPr txBox="1"/>
+          <p:nvPr/>
+        </p:nvSpPr>
+        <p:spPr bwMode="auto">
+          <a:xfrm rot="0" flipH="0" flipV="0">
+            <a:off x="751041" y="523019"/>
+            <a:ext cx="2912643" cy="1189080"/>
+          </a:xfrm>
+          <a:prstGeom prst="rect">
+            <a:avLst/>
+          </a:prstGeom>
+          <a:noFill/>
+        </p:spPr>
+        <p:txBody>
+          <a:bodyPr vertOverflow="overflow" horzOverflow="overflow" vert="horz" wrap="square" lIns="91440" tIns="45720" rIns="91440" bIns="45720" numCol="1" spcCol="0" rtlCol="0" fromWordArt="0" anchor="t" anchorCtr="0" forceAA="0" upright="0" compatLnSpc="0">
+            <a:spAutoFit/>
+          </a:bodyPr>
+          <a:p>
+            <a:pPr>
+              <a:defRPr/>
+            </a:pPr>
+            <a:r>
+              <a:rPr sz="7200" b="1">
+                <a:solidFill>
+                  <a:schemeClr val="tx1"/>
+                </a:solidFill>
+                <a:latin typeface="Quicksand"/>
+                <a:ea typeface="Quicksand"/>
+                <a:cs typeface="Quicksand"/>
+              </a:rPr>
+              <a:t>PHP</a:t>
+            </a:r>
+            <a:endParaRPr sz="1800">
+              <a:solidFill>
+                <a:schemeClr val="tx1"/>
+              </a:solidFill>
+            </a:endParaRPr>
           </a:p>
         </p:txBody>
       </p:sp>
@@ -5564,6 +6433,28 @@
           </a:p>
         </p:txBody>
       </p:sp>
+      <p:pic>
+        <p:nvPicPr>
+          <p:cNvPr id="2115648755" name=""/>
+          <p:cNvPicPr>
+            <a:picLocks noChangeAspect="1"/>
+          </p:cNvPicPr>
+          <p:nvPr/>
+        </p:nvPicPr>
+        <p:blipFill>
+          <a:blip r:embed="rId4"/>
+          <a:stretch/>
+        </p:blipFill>
+        <p:spPr bwMode="auto">
+          <a:xfrm flipH="0" flipV="0">
+            <a:off x="8227016" y="2502764"/>
+            <a:ext cx="3495228" cy="1852471"/>
+          </a:xfrm>
+          <a:prstGeom prst="rect">
+            <a:avLst/>
+          </a:prstGeom>
+        </p:spPr>
+      </p:pic>
     </p:spTree>
   </p:cSld>
   <p:clrMapOvr>
@@ -5572,12 +6463,12 @@
   <mc:AlternateContent xmlns:mc="http://schemas.openxmlformats.org/markup-compatibility/2006">
     <mc:Choice xmlns:p159="http://schemas.microsoft.com/office/powerpoint/2015/09/main" xmlns:p14="http://schemas.microsoft.com/office/powerpoint/2010/main" Requires="p159">
       <p:transition spd="slow" p14:dur="2000" advClick="1">
-        <p159:morph option="byObject"/>
+        <p:push dir="l"/>
       </p:transition>
     </mc:Choice>
     <mc:Fallback>
       <p:transition spd="slow" advClick="1">
-        <p:fade/>
+        <p:push dir="l"/>
       </p:transition>
     </mc:Fallback>
   </mc:AlternateContent>
@@ -5585,7 +6476,7 @@
 </p:sld>
 </file>
 
-<file path=ppt/slides/slide4.xml><?xml version="1.0" encoding="utf-8"?>
+<file path=ppt/slides/slide6.xml><?xml version="1.0" encoding="utf-8"?>
 <p:sld xmlns:a="http://schemas.openxmlformats.org/drawingml/2006/main" xmlns:r="http://schemas.openxmlformats.org/officeDocument/2006/relationships" xmlns:p="http://schemas.openxmlformats.org/presentationml/2006/main" xmlns:m="http://schemas.openxmlformats.org/officeDocument/2006/math" xmlns:w="http://schemas.openxmlformats.org/wordprocessingml/2006/main" xmlns:mc="http://schemas.openxmlformats.org/markup-compatibility/2006" showMasterPhAnim="0" showMasterSp="1" show="1">
   <p:cSld name="">
     <p:bg>
@@ -5622,7 +6513,7 @@
           <a:stretch/>
         </p:blipFill>
         <p:spPr bwMode="auto">
-          <a:xfrm rot="20242172" flipH="0" flipV="0">
+          <a:xfrm rot="20242170" flipH="0" flipV="0">
             <a:off x="9953393" y="-661549"/>
             <a:ext cx="2697138" cy="2697138"/>
           </a:xfrm>
@@ -6165,12 +7056,12 @@
   <mc:AlternateContent xmlns:mc="http://schemas.openxmlformats.org/markup-compatibility/2006">
     <mc:Choice xmlns:p159="http://schemas.microsoft.com/office/powerpoint/2015/09/main" xmlns:p14="http://schemas.microsoft.com/office/powerpoint/2010/main" Requires="p159">
       <p:transition spd="slow" p14:dur="2000" advClick="1">
-        <p159:morph option="byObject"/>
+        <p:push dir="l"/>
       </p:transition>
     </mc:Choice>
     <mc:Fallback>
       <p:transition spd="slow" advClick="1">
-        <p:fade/>
+        <p:push dir="l"/>
       </p:transition>
     </mc:Fallback>
   </mc:AlternateContent>
@@ -6178,489 +7069,7 @@
 </p:sld>
 </file>
 
-<file path=ppt/slides/slide5.xml><?xml version="1.0" encoding="utf-8"?>
-<p:sld xmlns:a="http://schemas.openxmlformats.org/drawingml/2006/main" xmlns:r="http://schemas.openxmlformats.org/officeDocument/2006/relationships" xmlns:p="http://schemas.openxmlformats.org/presentationml/2006/main" xmlns:m="http://schemas.openxmlformats.org/officeDocument/2006/math" xmlns:w="http://schemas.openxmlformats.org/wordprocessingml/2006/main" xmlns:mc="http://schemas.openxmlformats.org/markup-compatibility/2006" showMasterPhAnim="0" showMasterSp="1" show="1">
-  <p:cSld name="">
-    <p:bg>
-      <p:bgPr shadeToTitle="0">
-        <a:solidFill>
-          <a:schemeClr val="bg1"/>
-        </a:solidFill>
-      </p:bgPr>
-    </p:bg>
-    <p:spTree>
-      <p:nvGrpSpPr>
-        <p:cNvPr id="1" name=""/>
-        <p:cNvGrpSpPr/>
-        <p:nvPr/>
-      </p:nvGrpSpPr>
-      <p:grpSpPr bwMode="auto">
-        <a:xfrm>
-          <a:off x="0" y="0"/>
-          <a:ext cx="0" cy="0"/>
-          <a:chOff x="0" y="0"/>
-          <a:chExt cx="0" cy="0"/>
-        </a:xfrm>
-      </p:grpSpPr>
-      <p:pic>
-        <p:nvPicPr>
-          <p:cNvPr id="2008191764" name=""/>
-          <p:cNvPicPr>
-            <a:picLocks noChangeAspect="1"/>
-          </p:cNvPicPr>
-          <p:nvPr/>
-        </p:nvPicPr>
-        <p:blipFill>
-          <a:blip r:embed="rId3"/>
-          <a:stretch/>
-        </p:blipFill>
-        <p:spPr bwMode="auto">
-          <a:xfrm rot="791197" flipH="0" flipV="0">
-            <a:off x="-684117" y="4294673"/>
-            <a:ext cx="3743336" cy="3743336"/>
-          </a:xfrm>
-          <a:prstGeom prst="rect">
-            <a:avLst/>
-          </a:prstGeom>
-          <a:ln w="12700">
-            <a:noFill/>
-          </a:ln>
-        </p:spPr>
-      </p:pic>
-      <p:pic>
-        <p:nvPicPr>
-          <p:cNvPr id="1264170861" name=""/>
-          <p:cNvPicPr>
-            <a:picLocks noChangeAspect="1"/>
-          </p:cNvPicPr>
-          <p:nvPr/>
-        </p:nvPicPr>
-        <p:blipFill>
-          <a:blip r:embed="rId3"/>
-          <a:stretch/>
-        </p:blipFill>
-        <p:spPr bwMode="auto">
-          <a:xfrm rot="20242140" flipH="0" flipV="0">
-            <a:off x="8318898" y="1658784"/>
-            <a:ext cx="2697138" cy="2697138"/>
-          </a:xfrm>
-          <a:prstGeom prst="rect">
-            <a:avLst/>
-          </a:prstGeom>
-        </p:spPr>
-      </p:pic>
-      <p:sp>
-        <p:nvSpPr>
-          <p:cNvPr id="521762569" name=""/>
-          <p:cNvSpPr txBox="1"/>
-          <p:nvPr/>
-        </p:nvSpPr>
-        <p:spPr bwMode="auto">
-          <a:xfrm flipH="0" flipV="0">
-            <a:off x="3848547" y="2587622"/>
-            <a:ext cx="183636" cy="366117"/>
-          </a:xfrm>
-          <a:prstGeom prst="rect">
-            <a:avLst/>
-          </a:prstGeom>
-          <a:noFill/>
-        </p:spPr>
-        <p:txBody>
-          <a:bodyPr vertOverflow="overflow" horzOverflow="overflow" vert="horz" wrap="none" lIns="91440" tIns="45720" rIns="91440" bIns="45720" numCol="1" spcCol="0" rtlCol="0" fromWordArt="0" anchor="t" anchorCtr="0" forceAA="0" upright="0" compatLnSpc="0">
-            <a:spAutoFit/>
-          </a:bodyPr>
-          <a:p>
-            <a:pPr>
-              <a:defRPr/>
-            </a:pPr>
-            <a:endParaRPr>
-              <a:solidFill>
-                <a:schemeClr val="tx1"/>
-              </a:solidFill>
-            </a:endParaRPr>
-          </a:p>
-        </p:txBody>
-      </p:sp>
-      <p:sp>
-        <p:nvSpPr>
-          <p:cNvPr id="425614964" name=""/>
-          <p:cNvSpPr txBox="1"/>
-          <p:nvPr/>
-        </p:nvSpPr>
-        <p:spPr bwMode="auto">
-          <a:xfrm flipH="0" flipV="0">
-            <a:off x="3478248" y="2997558"/>
-            <a:ext cx="183636" cy="366117"/>
-          </a:xfrm>
-          <a:prstGeom prst="rect">
-            <a:avLst/>
-          </a:prstGeom>
-          <a:noFill/>
-        </p:spPr>
-        <p:txBody>
-          <a:bodyPr vertOverflow="overflow" horzOverflow="overflow" vert="horz" wrap="none" lIns="91440" tIns="45720" rIns="91440" bIns="45720" numCol="1" spcCol="0" rtlCol="0" fromWordArt="0" anchor="t" anchorCtr="0" forceAA="0" upright="0" compatLnSpc="0">
-            <a:spAutoFit/>
-          </a:bodyPr>
-          <a:p>
-            <a:pPr>
-              <a:defRPr/>
-            </a:pPr>
-            <a:endParaRPr>
-              <a:solidFill>
-                <a:schemeClr val="tx1"/>
-              </a:solidFill>
-            </a:endParaRPr>
-          </a:p>
-        </p:txBody>
-      </p:sp>
-      <p:sp>
-        <p:nvSpPr>
-          <p:cNvPr id="807942207" name=""/>
-          <p:cNvSpPr/>
-          <p:nvPr/>
-        </p:nvSpPr>
-        <p:spPr bwMode="auto">
-          <a:xfrm flipH="0" flipV="0">
-            <a:off x="-14490" y="6054022"/>
-            <a:ext cx="12221056" cy="807200"/>
-          </a:xfrm>
-          <a:prstGeom prst="rect">
-            <a:avLst/>
-          </a:prstGeom>
-          <a:blipFill>
-            <a:blip r:embed="rId4"/>
-            <a:tile/>
-          </a:blipFill>
-          <a:ln w="12700" cap="flat" cmpd="sng" algn="ctr">
-            <a:noFill/>
-            <a:prstDash val="solid"/>
-            <a:miter lim="800000"/>
-          </a:ln>
-        </p:spPr>
-        <p:style>
-          <a:lnRef idx="2">
-            <a:schemeClr val="accent1">
-              <a:shade val="50000"/>
-            </a:schemeClr>
-          </a:lnRef>
-          <a:fillRef idx="1">
-            <a:schemeClr val="accent1"/>
-          </a:fillRef>
-          <a:effectRef idx="0">
-            <a:schemeClr val="accent1"/>
-          </a:effectRef>
-          <a:fontRef idx="minor">
-            <a:schemeClr val="lt1"/>
-          </a:fontRef>
-        </p:style>
-      </p:sp>
-      <p:sp>
-        <p:nvSpPr>
-          <p:cNvPr id="2059546424" name=""/>
-          <p:cNvSpPr/>
-          <p:nvPr/>
-        </p:nvSpPr>
-        <p:spPr bwMode="auto">
-          <a:xfrm flipH="0" flipV="0">
-            <a:off x="751041" y="1712098"/>
-            <a:ext cx="2819025" cy="63495"/>
-          </a:xfrm>
-          <a:prstGeom prst="rect">
-            <a:avLst/>
-          </a:prstGeom>
-          <a:solidFill>
-            <a:srgbClr val="E01B24"/>
-          </a:solidFill>
-          <a:ln w="12700" cap="flat" cmpd="sng" algn="ctr">
-            <a:noFill/>
-            <a:prstDash val="solid"/>
-            <a:miter lim="800000"/>
-          </a:ln>
-        </p:spPr>
-        <p:style>
-          <a:lnRef idx="2">
-            <a:schemeClr val="accent1">
-              <a:shade val="50000"/>
-            </a:schemeClr>
-          </a:lnRef>
-          <a:fillRef idx="1">
-            <a:schemeClr val="accent1"/>
-          </a:fillRef>
-          <a:effectRef idx="0">
-            <a:schemeClr val="accent1"/>
-          </a:effectRef>
-          <a:fontRef idx="minor">
-            <a:schemeClr val="lt1"/>
-          </a:fontRef>
-        </p:style>
-      </p:sp>
-      <p:sp>
-        <p:nvSpPr>
-          <p:cNvPr id="181716999" name=""/>
-          <p:cNvSpPr txBox="1"/>
-          <p:nvPr/>
-        </p:nvSpPr>
-        <p:spPr bwMode="auto">
-          <a:xfrm rot="0" flipH="0" flipV="0">
-            <a:off x="751041" y="523018"/>
-            <a:ext cx="3663702" cy="1189080"/>
-          </a:xfrm>
-          <a:prstGeom prst="rect">
-            <a:avLst/>
-          </a:prstGeom>
-          <a:noFill/>
-        </p:spPr>
-        <p:txBody>
-          <a:bodyPr vertOverflow="overflow" horzOverflow="overflow" vert="horz" wrap="square" lIns="91440" tIns="45720" rIns="91440" bIns="45720" numCol="1" spcCol="0" rtlCol="0" fromWordArt="0" anchor="t" anchorCtr="0" forceAA="0" upright="0" compatLnSpc="0">
-            <a:spAutoFit/>
-          </a:bodyPr>
-          <a:p>
-            <a:pPr>
-              <a:defRPr/>
-            </a:pPr>
-            <a:r>
-              <a:rPr sz="7200" b="1">
-                <a:solidFill>
-                  <a:schemeClr val="tx1"/>
-                </a:solidFill>
-                <a:latin typeface="Quicksand"/>
-                <a:ea typeface="Quicksand"/>
-                <a:cs typeface="Quicksand"/>
-              </a:rPr>
-              <a:t>Laravel </a:t>
-            </a:r>
-            <a:endParaRPr sz="1800">
-              <a:solidFill>
-                <a:schemeClr val="tx1"/>
-              </a:solidFill>
-            </a:endParaRPr>
-          </a:p>
-        </p:txBody>
-      </p:sp>
-      <p:sp>
-        <p:nvSpPr>
-          <p:cNvPr id="799028066" name=""/>
-          <p:cNvSpPr txBox="1"/>
-          <p:nvPr/>
-        </p:nvSpPr>
-        <p:spPr bwMode="auto">
-          <a:xfrm flipH="0" flipV="0">
-            <a:off x="751040" y="3798505"/>
-            <a:ext cx="6340831" cy="375915"/>
-          </a:xfrm>
-          <a:prstGeom prst="rect">
-            <a:avLst/>
-          </a:prstGeom>
-          <a:solidFill>
-            <a:schemeClr val="bg2">
-              <a:lumMod val="90000"/>
-            </a:schemeClr>
-          </a:solidFill>
-        </p:spPr>
-        <p:txBody>
-          <a:bodyPr vertOverflow="overflow" horzOverflow="overflow" vert="horz" wrap="square" lIns="91440" tIns="45720" rIns="91440" bIns="45720" numCol="1" spcCol="0" rtlCol="0" fromWordArt="0" anchor="t" anchorCtr="0" forceAA="0" upright="0" compatLnSpc="0">
-            <a:spAutoFit/>
-          </a:bodyPr>
-          <a:p>
-            <a:pPr>
-              <a:defRPr/>
-            </a:pPr>
-            <a:r>
-              <a:rPr sz="1800"/>
-              <a:t>&gt;&gt;</a:t>
-            </a:r>
-            <a:r>
-              <a:rPr sz="1800" b="0" i="0" u="none">
-                <a:solidFill>
-                  <a:srgbClr val="A31515"/>
-                </a:solidFill>
-                <a:latin typeface="Calibri"/>
-                <a:ea typeface="Calibri"/>
-                <a:cs typeface="Calibri"/>
-              </a:rPr>
-              <a:t> composer</a:t>
-            </a:r>
-            <a:r>
-              <a:rPr sz="1800" b="0" i="0" u="none">
-                <a:solidFill>
-                  <a:srgbClr val="000000"/>
-                </a:solidFill>
-                <a:latin typeface="Calibri"/>
-                <a:ea typeface="Calibri"/>
-                <a:cs typeface="Calibri"/>
-              </a:rPr>
-              <a:t> global require laravel/installer</a:t>
-            </a:r>
-            <a:endParaRPr sz="1800"/>
-          </a:p>
-        </p:txBody>
-      </p:sp>
-      <p:sp>
-        <p:nvSpPr>
-          <p:cNvPr id="1798903215" name=""/>
-          <p:cNvSpPr txBox="1"/>
-          <p:nvPr/>
-        </p:nvSpPr>
-        <p:spPr bwMode="auto">
-          <a:xfrm flipH="0" flipV="0">
-            <a:off x="741321" y="2631438"/>
-            <a:ext cx="6350551" cy="375915"/>
-          </a:xfrm>
-          <a:prstGeom prst="rect">
-            <a:avLst/>
-          </a:prstGeom>
-          <a:solidFill>
-            <a:schemeClr val="bg2">
-              <a:lumMod val="90000"/>
-            </a:schemeClr>
-          </a:solidFill>
-        </p:spPr>
-        <p:txBody>
-          <a:bodyPr vertOverflow="overflow" horzOverflow="overflow" vert="horz" wrap="square" lIns="91440" tIns="45720" rIns="91440" bIns="45720" numCol="1" spcCol="0" rtlCol="0" fromWordArt="0" anchor="t" anchorCtr="0" forceAA="0" upright="0" compatLnSpc="0">
-            <a:spAutoFit/>
-          </a:bodyPr>
-          <a:p>
-            <a:pPr>
-              <a:defRPr/>
-            </a:pPr>
-            <a:r>
-              <a:rPr/>
-              <a:t>&gt;&gt;</a:t>
-            </a:r>
-            <a:r>
-              <a:rPr sz="1800" b="0" i="0" u="none">
-                <a:solidFill>
-                  <a:srgbClr val="000000"/>
-                </a:solidFill>
-                <a:latin typeface="Calibri"/>
-                <a:ea typeface="Calibri"/>
-                <a:cs typeface="Calibri"/>
-              </a:rPr>
-              <a:t> /</a:t>
-            </a:r>
-            <a:r>
-              <a:rPr sz="1800" b="0" i="0" u="none">
-                <a:solidFill>
-                  <a:srgbClr val="A31515"/>
-                </a:solidFill>
-                <a:latin typeface="Calibri"/>
-                <a:ea typeface="Calibri"/>
-                <a:cs typeface="Calibri"/>
-              </a:rPr>
-              <a:t>bin</a:t>
-            </a:r>
-            <a:r>
-              <a:rPr sz="1800" b="0" i="0" u="none">
-                <a:solidFill>
-                  <a:srgbClr val="000000"/>
-                </a:solidFill>
-                <a:latin typeface="Calibri"/>
-                <a:ea typeface="Calibri"/>
-                <a:cs typeface="Calibri"/>
-              </a:rPr>
-              <a:t>/bash -c </a:t>
-            </a:r>
-            <a:r>
-              <a:rPr sz="1800" b="0" i="0" u="none">
-                <a:solidFill>
-                  <a:srgbClr val="A31515"/>
-                </a:solidFill>
-                <a:latin typeface="Calibri"/>
-                <a:ea typeface="Calibri"/>
-                <a:cs typeface="Calibri"/>
-              </a:rPr>
-              <a:t>"$(curl -fsSL https://php.new/install/linux/8.4)"</a:t>
-            </a:r>
-            <a:endParaRPr/>
-          </a:p>
-        </p:txBody>
-      </p:sp>
-      <p:sp>
-        <p:nvSpPr>
-          <p:cNvPr id="875906869" name=""/>
-          <p:cNvSpPr txBox="1"/>
-          <p:nvPr/>
-        </p:nvSpPr>
-        <p:spPr bwMode="auto">
-          <a:xfrm flipH="0" flipV="0">
-            <a:off x="741321" y="2087778"/>
-            <a:ext cx="2775875" cy="366119"/>
-          </a:xfrm>
-          <a:prstGeom prst="rect">
-            <a:avLst/>
-          </a:prstGeom>
-          <a:noFill/>
-        </p:spPr>
-        <p:txBody>
-          <a:bodyPr vertOverflow="overflow" horzOverflow="overflow" vert="horz" wrap="none" lIns="91440" tIns="45720" rIns="91440" bIns="45720" numCol="1" spcCol="0" rtlCol="0" fromWordArt="0" anchor="t" anchorCtr="0" forceAA="0" upright="0" compatLnSpc="0">
-            <a:spAutoFit/>
-          </a:bodyPr>
-          <a:p>
-            <a:pPr>
-              <a:defRPr/>
-            </a:pPr>
-            <a:r>
-              <a:rPr/>
-              <a:t>Install satu paket Laravel:</a:t>
-            </a:r>
-            <a:endParaRPr/>
-          </a:p>
-        </p:txBody>
-      </p:sp>
-      <p:sp>
-        <p:nvSpPr>
-          <p:cNvPr id="1698427467" name=""/>
-          <p:cNvSpPr txBox="1"/>
-          <p:nvPr/>
-        </p:nvSpPr>
-        <p:spPr bwMode="auto">
-          <a:xfrm flipH="0" flipV="0">
-            <a:off x="741321" y="3300998"/>
-            <a:ext cx="2521492" cy="366119"/>
-          </a:xfrm>
-          <a:prstGeom prst="rect">
-            <a:avLst/>
-          </a:prstGeom>
-          <a:noFill/>
-        </p:spPr>
-        <p:txBody>
-          <a:bodyPr vertOverflow="overflow" horzOverflow="overflow" vert="horz" wrap="none" lIns="91440" tIns="45720" rIns="91440" bIns="45720" numCol="1" spcCol="0" rtlCol="0" fromWordArt="0" anchor="t" anchorCtr="0" forceAA="0" upright="0" compatLnSpc="0">
-            <a:spAutoFit/>
-          </a:bodyPr>
-          <a:p>
-            <a:pPr>
-              <a:defRPr/>
-            </a:pPr>
-            <a:r>
-              <a:rPr/>
-              <a:t>Install pakai composer:</a:t>
-            </a:r>
-            <a:endParaRPr/>
-          </a:p>
-        </p:txBody>
-      </p:sp>
-    </p:spTree>
-  </p:cSld>
-  <p:clrMapOvr>
-    <a:masterClrMapping/>
-  </p:clrMapOvr>
-  <mc:AlternateContent xmlns:mc="http://schemas.openxmlformats.org/markup-compatibility/2006">
-    <mc:Choice xmlns:p159="http://schemas.microsoft.com/office/powerpoint/2015/09/main" xmlns:p14="http://schemas.microsoft.com/office/powerpoint/2010/main" Requires="p159">
-      <p:transition spd="slow" p14:dur="2000" advClick="1">
-        <p159:morph option="byObject"/>
-      </p:transition>
-    </mc:Choice>
-    <mc:Fallback>
-      <p:transition spd="slow" advClick="1">
-        <p:fade/>
-      </p:transition>
-    </mc:Fallback>
-  </mc:AlternateContent>
-  <p:timing/>
-</p:sld>
-</file>
-
-<file path=ppt/slides/slide6.xml><?xml version="1.0" encoding="utf-8"?>
+<file path=ppt/slides/slide7.xml><?xml version="1.0" encoding="utf-8"?>
 <p:sld xmlns:a="http://schemas.openxmlformats.org/drawingml/2006/main" xmlns:r="http://schemas.openxmlformats.org/officeDocument/2006/relationships" xmlns:p="http://schemas.openxmlformats.org/presentationml/2006/main" xmlns:m="http://schemas.openxmlformats.org/officeDocument/2006/math" xmlns:w="http://schemas.openxmlformats.org/wordprocessingml/2006/main" xmlns:mc="http://schemas.openxmlformats.org/markup-compatibility/2006" showMasterPhAnim="0" showMasterSp="1" show="1">
   <p:cSld name="">
     <p:bg>
@@ -6697,7 +7106,7 @@
           <a:stretch/>
         </p:blipFill>
         <p:spPr bwMode="auto">
-          <a:xfrm rot="20242172" flipH="0" flipV="0">
+          <a:xfrm rot="20242170" flipH="0" flipV="0">
             <a:off x="9953393" y="-661549"/>
             <a:ext cx="2697138" cy="2697138"/>
           </a:xfrm>
@@ -6973,12 +7382,12 @@
   <mc:AlternateContent xmlns:mc="http://schemas.openxmlformats.org/markup-compatibility/2006">
     <mc:Choice xmlns:p159="http://schemas.microsoft.com/office/powerpoint/2015/09/main" xmlns:p14="http://schemas.microsoft.com/office/powerpoint/2010/main" Requires="p159">
       <p:transition spd="slow" p14:dur="2000" advClick="1">
-        <p159:morph option="byObject"/>
+        <p:push dir="l"/>
       </p:transition>
     </mc:Choice>
     <mc:Fallback>
       <p:transition spd="slow" advClick="1">
-        <p:fade/>
+        <p:push dir="l"/>
       </p:transition>
     </mc:Fallback>
   </mc:AlternateContent>
@@ -6986,7 +7395,7 @@
 </p:sld>
 </file>
 
-<file path=ppt/slides/slide7.xml><?xml version="1.0" encoding="utf-8"?>
+<file path=ppt/slides/slide8.xml><?xml version="1.0" encoding="utf-8"?>
 <p:sld xmlns:a="http://schemas.openxmlformats.org/drawingml/2006/main" xmlns:r="http://schemas.openxmlformats.org/officeDocument/2006/relationships" xmlns:p="http://schemas.openxmlformats.org/presentationml/2006/main" xmlns:m="http://schemas.openxmlformats.org/officeDocument/2006/math" xmlns:w="http://schemas.openxmlformats.org/wordprocessingml/2006/main" xmlns:mc="http://schemas.openxmlformats.org/markup-compatibility/2006" showMasterPhAnim="0" showMasterSp="1" show="1">
   <p:cSld name="">
     <p:bg>
@@ -7018,7 +7427,7 @@
         </p:nvSpPr>
         <p:spPr bwMode="auto">
           <a:xfrm rot="0" flipH="0" flipV="0">
-            <a:off x="751041" y="523019"/>
+            <a:off x="789571" y="523018"/>
             <a:ext cx="6326419" cy="1189080"/>
           </a:xfrm>
           <a:prstGeom prst="rect">
@@ -7102,7 +7511,7 @@
         </p:nvSpPr>
         <p:spPr bwMode="auto">
           <a:xfrm flipH="0" flipV="0">
-            <a:off x="751041" y="1650997"/>
+            <a:off x="751041" y="1650996"/>
             <a:ext cx="5935340" cy="63497"/>
           </a:xfrm>
           <a:prstGeom prst="rect">
@@ -7164,8 +7573,8 @@
         </p:nvSpPr>
         <p:spPr bwMode="auto">
           <a:xfrm flipH="0" flipV="0">
-            <a:off x="741321" y="2631438"/>
-            <a:ext cx="6353070" cy="366119"/>
+            <a:off x="741321" y="1822764"/>
+            <a:ext cx="6360989" cy="366119"/>
           </a:xfrm>
           <a:prstGeom prst="rect">
             <a:avLst/>
@@ -7198,7 +7607,7 @@
             </a:r>
             <a:r>
               <a:rPr/>
-              <a:t>apt install mariadb</a:t>
+              <a:t>apt install mariadb-client mariadb-server</a:t>
             </a:r>
             <a:endParaRPr/>
           </a:p>
@@ -7212,7 +7621,7 @@
         </p:nvSpPr>
         <p:spPr bwMode="auto">
           <a:xfrm flipH="0" flipV="0">
-            <a:off x="741321" y="3245939"/>
+            <a:off x="741321" y="3245938"/>
             <a:ext cx="8671065" cy="2560679"/>
           </a:xfrm>
           <a:prstGeom prst="rect">
@@ -7404,6 +7813,102 @@
           </a:p>
         </p:txBody>
       </p:sp>
+      <p:sp>
+        <p:nvSpPr>
+          <p:cNvPr id="121709758" name=""/>
+          <p:cNvSpPr txBox="1"/>
+          <p:nvPr/>
+        </p:nvSpPr>
+        <p:spPr bwMode="auto">
+          <a:xfrm flipH="0" flipV="0">
+            <a:off x="741321" y="2297156"/>
+            <a:ext cx="6374669" cy="366119"/>
+          </a:xfrm>
+          <a:prstGeom prst="rect">
+            <a:avLst/>
+          </a:prstGeom>
+          <a:solidFill>
+            <a:schemeClr val="bg2">
+              <a:lumMod val="90000"/>
+            </a:schemeClr>
+          </a:solidFill>
+        </p:spPr>
+        <p:txBody>
+          <a:bodyPr vertOverflow="overflow" horzOverflow="overflow" vert="horz" wrap="square" lIns="91440" tIns="45720" rIns="91440" bIns="45720" numCol="1" spcCol="0" rtlCol="0" fromWordArt="0" anchor="t" anchorCtr="0" forceAA="0" upright="0" compatLnSpc="0">
+            <a:spAutoFit/>
+          </a:bodyPr>
+          <a:p>
+            <a:pPr>
+              <a:defRPr/>
+            </a:pPr>
+            <a:r>
+              <a:rPr/>
+              <a:t>&gt;&gt; </a:t>
+            </a:r>
+            <a:r>
+              <a:rPr>
+                <a:solidFill>
+                  <a:srgbClr val="A41A1A"/>
+                </a:solidFill>
+              </a:rPr>
+              <a:t>sudo </a:t>
+            </a:r>
+            <a:r>
+              <a:rPr/>
+              <a:t>systemctl start mysql</a:t>
+            </a:r>
+            <a:endParaRPr/>
+          </a:p>
+        </p:txBody>
+      </p:sp>
+      <p:sp>
+        <p:nvSpPr>
+          <p:cNvPr id="1437603724" name=""/>
+          <p:cNvSpPr txBox="1"/>
+          <p:nvPr/>
+        </p:nvSpPr>
+        <p:spPr bwMode="auto">
+          <a:xfrm flipH="0" flipV="0">
+            <a:off x="741321" y="2771547"/>
+            <a:ext cx="6377188" cy="366119"/>
+          </a:xfrm>
+          <a:prstGeom prst="rect">
+            <a:avLst/>
+          </a:prstGeom>
+          <a:solidFill>
+            <a:schemeClr val="bg2">
+              <a:lumMod val="90000"/>
+            </a:schemeClr>
+          </a:solidFill>
+        </p:spPr>
+        <p:txBody>
+          <a:bodyPr vertOverflow="overflow" horzOverflow="overflow" vert="horz" wrap="square" lIns="91440" tIns="45720" rIns="91440" bIns="45720" numCol="1" spcCol="0" rtlCol="0" fromWordArt="0" anchor="t" anchorCtr="0" forceAA="0" upright="0" compatLnSpc="0">
+            <a:spAutoFit/>
+          </a:bodyPr>
+          <a:p>
+            <a:pPr>
+              <a:defRPr/>
+            </a:pPr>
+            <a:r>
+              <a:rPr/>
+              <a:t>&gt;&gt; </a:t>
+            </a:r>
+            <a:r>
+              <a:rPr>
+                <a:solidFill>
+                  <a:srgbClr val="A41A1A"/>
+                </a:solidFill>
+              </a:rPr>
+              <a:t>sudo </a:t>
+            </a:r>
+            <a:r>
+              <a:rPr/>
+              <a:t>systemctl enable mysql</a:t>
+            </a:r>
+            <a:endParaRPr/>
+          </a:p>
+        </p:txBody>
+      </p:sp>
     </p:spTree>
   </p:cSld>
   <p:clrMapOvr>
@@ -7412,12 +7917,12 @@
   <mc:AlternateContent xmlns:mc="http://schemas.openxmlformats.org/markup-compatibility/2006">
     <mc:Choice xmlns:p159="http://schemas.microsoft.com/office/powerpoint/2015/09/main" xmlns:p14="http://schemas.microsoft.com/office/powerpoint/2010/main" Requires="p159">
       <p:transition spd="slow" p14:dur="2000" advClick="1">
-        <p159:morph option="byObject"/>
+        <p:push dir="l"/>
       </p:transition>
     </mc:Choice>
     <mc:Fallback>
       <p:transition spd="slow" advClick="1">
-        <p:fade/>
+        <p:push dir="l"/>
       </p:transition>
     </mc:Fallback>
   </mc:AlternateContent>
@@ -7425,7 +7930,7 @@
 </p:sld>
 </file>
 
-<file path=ppt/slides/slide8.xml><?xml version="1.0" encoding="utf-8"?>
+<file path=ppt/slides/slide9.xml><?xml version="1.0" encoding="utf-8"?>
 <p:sld xmlns:a="http://schemas.openxmlformats.org/drawingml/2006/main" xmlns:r="http://schemas.openxmlformats.org/officeDocument/2006/relationships" xmlns:p="http://schemas.openxmlformats.org/presentationml/2006/main" xmlns:m="http://schemas.openxmlformats.org/officeDocument/2006/math" xmlns:w="http://schemas.openxmlformats.org/wordprocessingml/2006/main" xmlns:mc="http://schemas.openxmlformats.org/markup-compatibility/2006" showMasterPhAnim="0" showMasterSp="1" show="1">
   <p:cSld name="">
     <p:spTree>
